--- a/Option B/capsula.pptx
+++ b/Option B/capsula.pptx
@@ -7463,10 +7463,10 @@
       </p:sp>
       <p:pic>
         <p:nvPicPr>
-          <p:cNvPr id="9" name="Imagen 8">
+          <p:cNvPr id="13" name="Imagen 12">
             <a:extLst>
               <a:ext uri="{FF2B5EF4-FFF2-40B4-BE49-F238E27FC236}">
-                <a16:creationId xmlns:a16="http://schemas.microsoft.com/office/drawing/2014/main" id="{F9391F80-6A75-4D10-A570-6A0535C9BE02}"/>
+                <a16:creationId xmlns:a16="http://schemas.microsoft.com/office/drawing/2014/main" id="{90F50140-BBBB-4522-BE65-30EE88F3C027}"/>
               </a:ext>
             </a:extLst>
           </p:cNvPr>
@@ -7489,8 +7489,8 @@
         </p:blipFill>
         <p:spPr>
           <a:xfrm>
-            <a:off x="6917230" y="1086248"/>
-            <a:ext cx="4182648" cy="2589534"/>
+            <a:off x="3534614" y="3840151"/>
+            <a:ext cx="4760822" cy="3153091"/>
           </a:xfrm>
           <a:prstGeom prst="rect">
             <a:avLst/>
@@ -7499,10 +7499,10 @@
       </p:pic>
       <p:pic>
         <p:nvPicPr>
-          <p:cNvPr id="13" name="Imagen 12">
+          <p:cNvPr id="5" name="Imagen 4">
             <a:extLst>
               <a:ext uri="{FF2B5EF4-FFF2-40B4-BE49-F238E27FC236}">
-                <a16:creationId xmlns:a16="http://schemas.microsoft.com/office/drawing/2014/main" id="{90F50140-BBBB-4522-BE65-30EE88F3C027}"/>
+                <a16:creationId xmlns:a16="http://schemas.microsoft.com/office/drawing/2014/main" id="{F992627B-63D7-4ED7-8A65-45A19EBB9A60}"/>
               </a:ext>
             </a:extLst>
           </p:cNvPr>
@@ -7525,8 +7525,8 @@
         </p:blipFill>
         <p:spPr>
           <a:xfrm>
-            <a:off x="3534614" y="3840151"/>
-            <a:ext cx="4760822" cy="3153091"/>
+            <a:off x="6702641" y="1027724"/>
+            <a:ext cx="4389388" cy="2648058"/>
           </a:xfrm>
           <a:prstGeom prst="rect">
             <a:avLst/>
@@ -10241,12 +10241,49 @@
           </a:p>
         </p:txBody>
       </p:sp>
+      <p:sp>
+        <p:nvSpPr>
+          <p:cNvPr id="4" name="Marcador de número de diapositiva 3">
+            <a:extLst>
+              <a:ext uri="{FF2B5EF4-FFF2-40B4-BE49-F238E27FC236}">
+                <a16:creationId xmlns:a16="http://schemas.microsoft.com/office/drawing/2014/main" id="{BC4661AD-77A8-4A05-A48F-BB0556784248}"/>
+              </a:ext>
+            </a:extLst>
+          </p:cNvPr>
+          <p:cNvSpPr>
+            <a:spLocks noGrp="1"/>
+          </p:cNvSpPr>
+          <p:nvPr>
+            <p:ph type="sldNum" sz="quarter" idx="12"/>
+          </p:nvPr>
+        </p:nvSpPr>
+        <p:spPr/>
+        <p:txBody>
+          <a:bodyPr/>
+          <a:lstStyle/>
+          <a:p>
+            <a:fld id="{CBEB2A92-C54A-45AD-A523-BD481AD6D6CB}" type="slidenum">
+              <a:rPr lang="es-ES" smtClean="0">
+                <a:solidFill>
+                  <a:schemeClr val="tx1"/>
+                </a:solidFill>
+              </a:rPr>
+              <a:t>8</a:t>
+            </a:fld>
+            <a:endParaRPr lang="es-ES" dirty="0">
+              <a:solidFill>
+                <a:schemeClr val="tx1"/>
+              </a:solidFill>
+            </a:endParaRPr>
+          </a:p>
+        </p:txBody>
+      </p:sp>
       <p:pic>
         <p:nvPicPr>
-          <p:cNvPr id="9" name="Marcador de contenido 8">
+          <p:cNvPr id="7" name="Marcador de contenido 6">
             <a:extLst>
               <a:ext uri="{FF2B5EF4-FFF2-40B4-BE49-F238E27FC236}">
-                <a16:creationId xmlns:a16="http://schemas.microsoft.com/office/drawing/2014/main" id="{B0B4F953-575D-43A0-B10D-6586F68CFCF3}"/>
+                <a16:creationId xmlns:a16="http://schemas.microsoft.com/office/drawing/2014/main" id="{7B1ED29F-1E12-4143-B842-5579A6B13B5B}"/>
               </a:ext>
             </a:extLst>
           </p:cNvPr>
@@ -10271,48 +10308,11 @@
         </p:blipFill>
         <p:spPr>
           <a:xfrm>
-            <a:off x="686555" y="973584"/>
-            <a:ext cx="10094454" cy="5764567"/>
+            <a:off x="686555" y="836721"/>
+            <a:ext cx="10303028" cy="5883676"/>
           </a:xfrm>
         </p:spPr>
       </p:pic>
-      <p:sp>
-        <p:nvSpPr>
-          <p:cNvPr id="4" name="Marcador de número de diapositiva 3">
-            <a:extLst>
-              <a:ext uri="{FF2B5EF4-FFF2-40B4-BE49-F238E27FC236}">
-                <a16:creationId xmlns:a16="http://schemas.microsoft.com/office/drawing/2014/main" id="{BC4661AD-77A8-4A05-A48F-BB0556784248}"/>
-              </a:ext>
-            </a:extLst>
-          </p:cNvPr>
-          <p:cNvSpPr>
-            <a:spLocks noGrp="1"/>
-          </p:cNvSpPr>
-          <p:nvPr>
-            <p:ph type="sldNum" sz="quarter" idx="12"/>
-          </p:nvPr>
-        </p:nvSpPr>
-        <p:spPr/>
-        <p:txBody>
-          <a:bodyPr/>
-          <a:lstStyle/>
-          <a:p>
-            <a:fld id="{CBEB2A92-C54A-45AD-A523-BD481AD6D6CB}" type="slidenum">
-              <a:rPr lang="es-ES" smtClean="0">
-                <a:solidFill>
-                  <a:schemeClr val="tx1"/>
-                </a:solidFill>
-              </a:rPr>
-              <a:t>8</a:t>
-            </a:fld>
-            <a:endParaRPr lang="es-ES" dirty="0">
-              <a:solidFill>
-                <a:schemeClr val="tx1"/>
-              </a:solidFill>
-            </a:endParaRPr>
-          </a:p>
-        </p:txBody>
-      </p:sp>
     </p:spTree>
     <p:extLst>
       <p:ext uri="{BB962C8B-B14F-4D97-AF65-F5344CB8AC3E}">

--- a/Option B/capsula.pptx
+++ b/Option B/capsula.pptx
@@ -6917,90 +6917,21 @@
           </a:p>
         </p:txBody>
       </p:sp>
-      <p:sp>
-        <p:nvSpPr>
-          <p:cNvPr id="3" name="Marcador de contenido 2">
+      <p:pic>
+        <p:nvPicPr>
+          <p:cNvPr id="9" name="Marcador de contenido 8">
             <a:extLst>
               <a:ext uri="{FF2B5EF4-FFF2-40B4-BE49-F238E27FC236}">
-                <a16:creationId xmlns:a16="http://schemas.microsoft.com/office/drawing/2014/main" id="{40F8E8B8-0492-4855-AC00-14AD2A173FB8}"/>
-              </a:ext>
-            </a:extLst>
-          </p:cNvPr>
-          <p:cNvSpPr>
-            <a:spLocks noGrp="1"/>
-          </p:cNvSpPr>
-          <p:nvPr>
-            <p:ph idx="1"/>
-          </p:nvPr>
-        </p:nvSpPr>
-        <p:spPr>
-          <a:xfrm>
-            <a:off x="1119218" y="3213718"/>
-            <a:ext cx="8534400" cy="4216892"/>
-          </a:xfrm>
-        </p:spPr>
-        <p:txBody>
-          <a:bodyPr/>
-          <a:lstStyle/>
-          <a:p>
-            <a:endParaRPr lang="es-ES" dirty="0">
-              <a:solidFill>
-                <a:schemeClr val="tx1"/>
-              </a:solidFill>
-            </a:endParaRPr>
-          </a:p>
-        </p:txBody>
-      </p:sp>
-      <p:sp>
-        <p:nvSpPr>
-          <p:cNvPr id="4" name="Marcador de número de diapositiva 3">
-            <a:extLst>
-              <a:ext uri="{FF2B5EF4-FFF2-40B4-BE49-F238E27FC236}">
-                <a16:creationId xmlns:a16="http://schemas.microsoft.com/office/drawing/2014/main" id="{BC4661AD-77A8-4A05-A48F-BB0556784248}"/>
-              </a:ext>
-            </a:extLst>
-          </p:cNvPr>
-          <p:cNvSpPr>
-            <a:spLocks noGrp="1"/>
-          </p:cNvSpPr>
-          <p:nvPr>
-            <p:ph type="sldNum" sz="quarter" idx="12"/>
-          </p:nvPr>
-        </p:nvSpPr>
-        <p:spPr/>
-        <p:txBody>
-          <a:bodyPr/>
-          <a:lstStyle/>
-          <a:p>
-            <a:fld id="{CBEB2A92-C54A-45AD-A523-BD481AD6D6CB}" type="slidenum">
-              <a:rPr lang="es-ES" smtClean="0">
-                <a:solidFill>
-                  <a:schemeClr val="tx1"/>
-                </a:solidFill>
-              </a:rPr>
-              <a:t>15</a:t>
-            </a:fld>
-            <a:endParaRPr lang="es-ES" dirty="0">
-              <a:solidFill>
-                <a:schemeClr val="tx1"/>
-              </a:solidFill>
-            </a:endParaRPr>
-          </a:p>
-        </p:txBody>
-      </p:sp>
-      <p:pic>
-        <p:nvPicPr>
-          <p:cNvPr id="7" name="Imagen 6">
-            <a:extLst>
-              <a:ext uri="{FF2B5EF4-FFF2-40B4-BE49-F238E27FC236}">
-                <a16:creationId xmlns:a16="http://schemas.microsoft.com/office/drawing/2014/main" id="{3097022F-8226-4EBB-9E45-EBB471B47033}"/>
+                <a16:creationId xmlns:a16="http://schemas.microsoft.com/office/drawing/2014/main" id="{9404BD22-D4D2-4B0B-936A-F03DB0F10E2A}"/>
               </a:ext>
             </a:extLst>
           </p:cNvPr>
           <p:cNvPicPr>
-            <a:picLocks noChangeAspect="1"/>
+            <a:picLocks noGrp="1" noChangeAspect="1"/>
           </p:cNvPicPr>
-          <p:nvPr/>
+          <p:nvPr>
+            <p:ph idx="1"/>
+          </p:nvPr>
         </p:nvPicPr>
         <p:blipFill>
           <a:blip r:embed="rId2">
@@ -7016,14 +6947,48 @@
         </p:blipFill>
         <p:spPr>
           <a:xfrm>
-            <a:off x="138019" y="1024799"/>
-            <a:ext cx="11773920" cy="4648603"/>
-          </a:xfrm>
-          <a:prstGeom prst="rect">
-            <a:avLst/>
-          </a:prstGeom>
+            <a:off x="73985" y="1063185"/>
+            <a:ext cx="12044029" cy="4352194"/>
+          </a:xfrm>
         </p:spPr>
       </p:pic>
+      <p:sp>
+        <p:nvSpPr>
+          <p:cNvPr id="4" name="Marcador de número de diapositiva 3">
+            <a:extLst>
+              <a:ext uri="{FF2B5EF4-FFF2-40B4-BE49-F238E27FC236}">
+                <a16:creationId xmlns:a16="http://schemas.microsoft.com/office/drawing/2014/main" id="{BC4661AD-77A8-4A05-A48F-BB0556784248}"/>
+              </a:ext>
+            </a:extLst>
+          </p:cNvPr>
+          <p:cNvSpPr>
+            <a:spLocks noGrp="1"/>
+          </p:cNvSpPr>
+          <p:nvPr>
+            <p:ph type="sldNum" sz="quarter" idx="12"/>
+          </p:nvPr>
+        </p:nvSpPr>
+        <p:spPr/>
+        <p:txBody>
+          <a:bodyPr/>
+          <a:lstStyle/>
+          <a:p>
+            <a:fld id="{CBEB2A92-C54A-45AD-A523-BD481AD6D6CB}" type="slidenum">
+              <a:rPr lang="es-ES" smtClean="0">
+                <a:solidFill>
+                  <a:schemeClr val="tx1"/>
+                </a:solidFill>
+              </a:rPr>
+              <a:t>15</a:t>
+            </a:fld>
+            <a:endParaRPr lang="es-ES" dirty="0">
+              <a:solidFill>
+                <a:schemeClr val="tx1"/>
+              </a:solidFill>
+            </a:endParaRPr>
+          </a:p>
+        </p:txBody>
+      </p:sp>
     </p:spTree>
     <p:extLst>
       <p:ext uri="{BB962C8B-B14F-4D97-AF65-F5344CB8AC3E}">
